--- a/CPSC-24700/Presentations/session-30.pptx
+++ b/CPSC-24700/Presentations/session-30.pptx
@@ -121,6 +121,10 @@
 </p:presentation>
 </file>
 
+<file path=ppt/revisionInfo.xml><?xml version="1.0" encoding="utf-8"?>
+<p1510:revInfo xmlns:a="http://schemas.openxmlformats.org/drawingml/2006/main" xmlns:r="http://schemas.openxmlformats.org/officeDocument/2006/relationships" xmlns:p1510="http://schemas.microsoft.com/office/powerpoint/2015/10/main"/>
+</file>
+
 <file path=ppt/notesMasters/notesMaster1.xml><?xml version="1.0" encoding="utf-8"?>
 <p:notesMaster xmlns:a="http://schemas.openxmlformats.org/drawingml/2006/main" xmlns:r="http://schemas.openxmlformats.org/officeDocument/2006/relationships" xmlns:p="http://schemas.openxmlformats.org/presentationml/2006/main">
   <p:cSld>
@@ -203,7 +207,7 @@
           <a:p>
             <a:fld id="{1CF91C02-A59E-4778-8D4F-4840DBBEFA68}" type="datetimeFigureOut">
               <a:rPr lang="en-US" smtClean="0"/>
-              <a:t>11/7/2017</a:t>
+              <a:t>11/8/2017</a:t>
             </a:fld>
             <a:endParaRPr lang="en-US"/>
           </a:p>
@@ -514,6 +518,14 @@
           <a:bodyPr/>
           <a:lstStyle/>
           <a:p>
+            <a:r>
+              <a:rPr lang="en-US" dirty="0"/>
+              <a:t>How would you feel about the assignment if we add some minor PHP and make it due at the Monday at </a:t>
+            </a:r>
+            <a:r>
+              <a:rPr lang="en-US"/>
+              <a:t>the end of the day?</a:t>
+            </a:r>
             <a:endParaRPr lang="en-US" dirty="0"/>
           </a:p>
         </p:txBody>
@@ -598,14 +610,6 @@
           <a:bodyPr/>
           <a:lstStyle/>
           <a:p>
-            <a:r>
-              <a:rPr lang="en-US" sz="1000" dirty="0"/>
-              <a:t>Possible Topic: </a:t>
-            </a:r>
-            <a:r>
-              <a:rPr lang="en-US" sz="1000" dirty="0" err="1"/>
-              <a:t>WebAssembly</a:t>
-            </a:r>
             <a:endParaRPr lang="en-US" sz="1000" dirty="0"/>
           </a:p>
         </p:txBody>
@@ -1216,7 +1220,7 @@
           <a:p>
             <a:fld id="{5FB62F81-FD80-4AA8-93CA-E835B40BE667}" type="datetimeFigureOut">
               <a:rPr lang="en-US" smtClean="0"/>
-              <a:t>11/7/2017</a:t>
+              <a:t>11/8/2017</a:t>
             </a:fld>
             <a:endParaRPr lang="en-US"/>
           </a:p>
@@ -1414,7 +1418,7 @@
           <a:p>
             <a:fld id="{5FB62F81-FD80-4AA8-93CA-E835B40BE667}" type="datetimeFigureOut">
               <a:rPr lang="en-US" smtClean="0"/>
-              <a:t>11/7/2017</a:t>
+              <a:t>11/8/2017</a:t>
             </a:fld>
             <a:endParaRPr lang="en-US"/>
           </a:p>
@@ -1622,7 +1626,7 @@
           <a:p>
             <a:fld id="{5FB62F81-FD80-4AA8-93CA-E835B40BE667}" type="datetimeFigureOut">
               <a:rPr lang="en-US" smtClean="0"/>
-              <a:t>11/7/2017</a:t>
+              <a:t>11/8/2017</a:t>
             </a:fld>
             <a:endParaRPr lang="en-US"/>
           </a:p>
@@ -1820,7 +1824,7 @@
           <a:p>
             <a:fld id="{5FB62F81-FD80-4AA8-93CA-E835B40BE667}" type="datetimeFigureOut">
               <a:rPr lang="en-US" smtClean="0"/>
-              <a:t>11/7/2017</a:t>
+              <a:t>11/8/2017</a:t>
             </a:fld>
             <a:endParaRPr lang="en-US"/>
           </a:p>
@@ -2095,7 +2099,7 @@
           <a:p>
             <a:fld id="{5FB62F81-FD80-4AA8-93CA-E835B40BE667}" type="datetimeFigureOut">
               <a:rPr lang="en-US" smtClean="0"/>
-              <a:t>11/7/2017</a:t>
+              <a:t>11/8/2017</a:t>
             </a:fld>
             <a:endParaRPr lang="en-US"/>
           </a:p>
@@ -2360,7 +2364,7 @@
           <a:p>
             <a:fld id="{5FB62F81-FD80-4AA8-93CA-E835B40BE667}" type="datetimeFigureOut">
               <a:rPr lang="en-US" smtClean="0"/>
-              <a:t>11/7/2017</a:t>
+              <a:t>11/8/2017</a:t>
             </a:fld>
             <a:endParaRPr lang="en-US"/>
           </a:p>
@@ -2772,7 +2776,7 @@
           <a:p>
             <a:fld id="{5FB62F81-FD80-4AA8-93CA-E835B40BE667}" type="datetimeFigureOut">
               <a:rPr lang="en-US" smtClean="0"/>
-              <a:t>11/7/2017</a:t>
+              <a:t>11/8/2017</a:t>
             </a:fld>
             <a:endParaRPr lang="en-US"/>
           </a:p>
@@ -2913,7 +2917,7 @@
           <a:p>
             <a:fld id="{5FB62F81-FD80-4AA8-93CA-E835B40BE667}" type="datetimeFigureOut">
               <a:rPr lang="en-US" smtClean="0"/>
-              <a:t>11/7/2017</a:t>
+              <a:t>11/8/2017</a:t>
             </a:fld>
             <a:endParaRPr lang="en-US"/>
           </a:p>
@@ -3026,7 +3030,7 @@
           <a:p>
             <a:fld id="{5FB62F81-FD80-4AA8-93CA-E835B40BE667}" type="datetimeFigureOut">
               <a:rPr lang="en-US" smtClean="0"/>
-              <a:t>11/7/2017</a:t>
+              <a:t>11/8/2017</a:t>
             </a:fld>
             <a:endParaRPr lang="en-US"/>
           </a:p>
@@ -3337,7 +3341,7 @@
           <a:p>
             <a:fld id="{5FB62F81-FD80-4AA8-93CA-E835B40BE667}" type="datetimeFigureOut">
               <a:rPr lang="en-US" smtClean="0"/>
-              <a:t>11/7/2017</a:t>
+              <a:t>11/8/2017</a:t>
             </a:fld>
             <a:endParaRPr lang="en-US"/>
           </a:p>
@@ -3625,7 +3629,7 @@
           <a:p>
             <a:fld id="{5FB62F81-FD80-4AA8-93CA-E835B40BE667}" type="datetimeFigureOut">
               <a:rPr lang="en-US" smtClean="0"/>
-              <a:t>11/7/2017</a:t>
+              <a:t>11/8/2017</a:t>
             </a:fld>
             <a:endParaRPr lang="en-US"/>
           </a:p>
@@ -3866,7 +3870,7 @@
           <a:p>
             <a:fld id="{5FB62F81-FD80-4AA8-93CA-E835B40BE667}" type="datetimeFigureOut">
               <a:rPr lang="en-US" smtClean="0"/>
-              <a:t>11/7/2017</a:t>
+              <a:t>11/8/2017</a:t>
             </a:fld>
             <a:endParaRPr lang="en-US"/>
           </a:p>
@@ -4789,7 +4793,7 @@
           <a:p>
             <a:r>
               <a:rPr lang="en-US" sz="2000" dirty="0"/>
-              <a:t>Project 4: Contact Manager (client)</a:t>
+              <a:t>Project 4: Contact Manager (client) with PHP lookup due Monday by 11:59pm</a:t>
             </a:r>
           </a:p>
           <a:p>
